--- a/_site/content/Week07/lecture.pptx
+++ b/_site/content/Week07/lecture.pptx
@@ -6366,7 +6366,21 @@
             <a:pPr lvl="0"/>
             <a:r>
               <a:rPr/>
-              <a:t>2 parts to the lab &gt; Ethics II - the Goldsmiths Portal &gt; Reliability and Validity recap materials</a:t>
+              <a:t>2 parts to the lab</a:t>
+            </a:r>
+          </a:p>
+          <a:p>
+            <a:pPr lvl="1"/>
+            <a:r>
+              <a:rPr/>
+              <a:t>Ethics II - the Goldsmiths Portal</a:t>
+            </a:r>
+          </a:p>
+          <a:p>
+            <a:pPr lvl="1"/>
+            <a:r>
+              <a:rPr/>
+              <a:t>Reliability and Validity recap materials</a:t>
             </a:r>
           </a:p>
         </p:txBody>
